--- a/SySTemantics Final Project Presentation.pptx
+++ b/SySTemantics Final Project Presentation.pptx
@@ -12,10 +12,15 @@
     <p:sldId id="266" r:id="rId6"/>
     <p:sldId id="265" r:id="rId7"/>
     <p:sldId id="267" r:id="rId8"/>
-    <p:sldId id="258" r:id="rId9"/>
-    <p:sldId id="259" r:id="rId10"/>
-    <p:sldId id="260" r:id="rId11"/>
-    <p:sldId id="261" r:id="rId12"/>
+    <p:sldId id="268" r:id="rId9"/>
+    <p:sldId id="269" r:id="rId10"/>
+    <p:sldId id="270" r:id="rId11"/>
+    <p:sldId id="271" r:id="rId12"/>
+    <p:sldId id="272" r:id="rId13"/>
+    <p:sldId id="258" r:id="rId14"/>
+    <p:sldId id="259" r:id="rId15"/>
+    <p:sldId id="260" r:id="rId16"/>
+    <p:sldId id="261" r:id="rId17"/>
   </p:sldIdLst>
   <p:sldSz cx="12192000" cy="6858000"/>
   <p:notesSz cx="6858000" cy="9144000"/>
@@ -114,6 +119,11 @@
       </a:defRPr>
     </a:lvl9pPr>
   </p:defaultTextStyle>
+  <p:extLst>
+    <p:ext uri="{EFAFB233-063F-42B5-8137-9DF3F51BA10A}">
+      <p15:sldGuideLst xmlns:p15="http://schemas.microsoft.com/office/powerpoint/2012/main"/>
+    </p:ext>
+  </p:extLst>
 </p:presentation>
 </file>
 
@@ -2915,7 +2925,7 @@
           <a:noFill/>
           <a:extLst>
             <a:ext uri="{909E8E84-426E-40dd-AFC4-6F175D3DCCD1}">
-              <a14:hiddenFill xmlns:a14="http://schemas.microsoft.com/office/drawing/2010/main" xmlns="">
+              <a14:hiddenFill xmlns="" xmlns:a14="http://schemas.microsoft.com/office/drawing/2010/main">
                 <a:solidFill>
                   <a:srgbClr val="FFFFFF"/>
                 </a:solidFill>
@@ -2975,7 +2985,7 @@
             </a:ln>
             <a:extLst>
               <a:ext uri="{91240B29-F687-4f45-9708-019B960494DF}">
-                <a14:hiddenLine xmlns:a14="http://schemas.microsoft.com/office/drawing/2010/main" xmlns="" w="9525">
+                <a14:hiddenLine xmlns="" xmlns:a14="http://schemas.microsoft.com/office/drawing/2010/main" w="9525">
                   <a:solidFill>
                     <a:srgbClr val="000000"/>
                   </a:solidFill>
@@ -3065,7 +3075,7 @@
             </a:ln>
             <a:extLst>
               <a:ext uri="{91240B29-F687-4f45-9708-019B960494DF}">
-                <a14:hiddenLine xmlns:a14="http://schemas.microsoft.com/office/drawing/2010/main" xmlns="" w="9525">
+                <a14:hiddenLine xmlns="" xmlns:a14="http://schemas.microsoft.com/office/drawing/2010/main" w="9525">
                   <a:solidFill>
                     <a:srgbClr val="000000"/>
                   </a:solidFill>
@@ -3155,7 +3165,7 @@
             </a:ln>
             <a:extLst>
               <a:ext uri="{91240B29-F687-4f45-9708-019B960494DF}">
-                <a14:hiddenLine xmlns:a14="http://schemas.microsoft.com/office/drawing/2010/main" xmlns="" w="9525">
+                <a14:hiddenLine xmlns="" xmlns:a14="http://schemas.microsoft.com/office/drawing/2010/main" w="9525">
                   <a:solidFill>
                     <a:srgbClr val="000000"/>
                   </a:solidFill>
@@ -3189,7 +3199,7 @@
             </a:ln>
             <a:extLst>
               <a:ext uri="{91240B29-F687-4f45-9708-019B960494DF}">
-                <a14:hiddenLine xmlns:a14="http://schemas.microsoft.com/office/drawing/2010/main" xmlns="" w="9525">
+                <a14:hiddenLine xmlns="" xmlns:a14="http://schemas.microsoft.com/office/drawing/2010/main" w="9525">
                   <a:solidFill>
                     <a:srgbClr val="000000"/>
                   </a:solidFill>
@@ -3279,7 +3289,7 @@
             </a:ln>
             <a:extLst>
               <a:ext uri="{91240B29-F687-4f45-9708-019B960494DF}">
-                <a14:hiddenLine xmlns:a14="http://schemas.microsoft.com/office/drawing/2010/main" xmlns="" w="9525">
+                <a14:hiddenLine xmlns="" xmlns:a14="http://schemas.microsoft.com/office/drawing/2010/main" w="9525">
                   <a:solidFill>
                     <a:srgbClr val="000000"/>
                   </a:solidFill>
@@ -3341,7 +3351,7 @@
             </a:ln>
             <a:extLst>
               <a:ext uri="{91240B29-F687-4f45-9708-019B960494DF}">
-                <a14:hiddenLine xmlns:a14="http://schemas.microsoft.com/office/drawing/2010/main" xmlns="" w="9525">
+                <a14:hiddenLine xmlns="" xmlns:a14="http://schemas.microsoft.com/office/drawing/2010/main" w="9525">
                   <a:solidFill>
                     <a:srgbClr val="000000"/>
                   </a:solidFill>
@@ -3403,7 +3413,7 @@
             </a:ln>
             <a:extLst>
               <a:ext uri="{91240B29-F687-4f45-9708-019B960494DF}">
-                <a14:hiddenLine xmlns:a14="http://schemas.microsoft.com/office/drawing/2010/main" xmlns="" w="9525">
+                <a14:hiddenLine xmlns="" xmlns:a14="http://schemas.microsoft.com/office/drawing/2010/main" w="9525">
                   <a:solidFill>
                     <a:srgbClr val="000000"/>
                   </a:solidFill>
@@ -3493,7 +3503,7 @@
             </a:ln>
             <a:extLst>
               <a:ext uri="{91240B29-F687-4f45-9708-019B960494DF}">
-                <a14:hiddenLine xmlns:a14="http://schemas.microsoft.com/office/drawing/2010/main" xmlns="" w="9525">
+                <a14:hiddenLine xmlns="" xmlns:a14="http://schemas.microsoft.com/office/drawing/2010/main" w="9525">
                   <a:solidFill>
                     <a:srgbClr val="000000"/>
                   </a:solidFill>
@@ -3555,7 +3565,7 @@
             </a:ln>
             <a:extLst>
               <a:ext uri="{91240B29-F687-4f45-9708-019B960494DF}">
-                <a14:hiddenLine xmlns:a14="http://schemas.microsoft.com/office/drawing/2010/main" xmlns="" w="9525">
+                <a14:hiddenLine xmlns="" xmlns:a14="http://schemas.microsoft.com/office/drawing/2010/main" w="9525">
                   <a:solidFill>
                     <a:srgbClr val="000000"/>
                   </a:solidFill>
@@ -3617,7 +3627,7 @@
             </a:ln>
             <a:extLst>
               <a:ext uri="{91240B29-F687-4f45-9708-019B960494DF}">
-                <a14:hiddenLine xmlns:a14="http://schemas.microsoft.com/office/drawing/2010/main" xmlns="" w="9525">
+                <a14:hiddenLine xmlns="" xmlns:a14="http://schemas.microsoft.com/office/drawing/2010/main" w="9525">
                   <a:solidFill>
                     <a:srgbClr val="000000"/>
                   </a:solidFill>
@@ -3707,7 +3717,7 @@
             </a:ln>
             <a:extLst>
               <a:ext uri="{91240B29-F687-4f45-9708-019B960494DF}">
-                <a14:hiddenLine xmlns:a14="http://schemas.microsoft.com/office/drawing/2010/main" xmlns="" w="9525">
+                <a14:hiddenLine xmlns="" xmlns:a14="http://schemas.microsoft.com/office/drawing/2010/main" w="9525">
                   <a:solidFill>
                     <a:srgbClr val="000000"/>
                   </a:solidFill>
@@ -3797,7 +3807,7 @@
             </a:ln>
             <a:extLst>
               <a:ext uri="{91240B29-F687-4f45-9708-019B960494DF}">
-                <a14:hiddenLine xmlns:a14="http://schemas.microsoft.com/office/drawing/2010/main" xmlns="" w="9525">
+                <a14:hiddenLine xmlns="" xmlns:a14="http://schemas.microsoft.com/office/drawing/2010/main" w="9525">
                   <a:solidFill>
                     <a:srgbClr val="000000"/>
                   </a:solidFill>
@@ -3859,7 +3869,7 @@
             </a:ln>
             <a:extLst>
               <a:ext uri="{91240B29-F687-4f45-9708-019B960494DF}">
-                <a14:hiddenLine xmlns:a14="http://schemas.microsoft.com/office/drawing/2010/main" xmlns="" w="9525">
+                <a14:hiddenLine xmlns="" xmlns:a14="http://schemas.microsoft.com/office/drawing/2010/main" w="9525">
                   <a:solidFill>
                     <a:srgbClr val="000000"/>
                   </a:solidFill>
@@ -3969,7 +3979,7 @@
             </a:ln>
             <a:extLst>
               <a:ext uri="{91240B29-F687-4f45-9708-019B960494DF}">
-                <a14:hiddenLine xmlns:a14="http://schemas.microsoft.com/office/drawing/2010/main" xmlns="" w="9525">
+                <a14:hiddenLine xmlns="" xmlns:a14="http://schemas.microsoft.com/office/drawing/2010/main" w="9525">
                   <a:solidFill>
                     <a:srgbClr val="000000"/>
                   </a:solidFill>
@@ -4031,7 +4041,7 @@
             </a:ln>
             <a:extLst>
               <a:ext uri="{91240B29-F687-4f45-9708-019B960494DF}">
-                <a14:hiddenLine xmlns:a14="http://schemas.microsoft.com/office/drawing/2010/main" xmlns="" w="9525">
+                <a14:hiddenLine xmlns="" xmlns:a14="http://schemas.microsoft.com/office/drawing/2010/main" w="9525">
                   <a:solidFill>
                     <a:srgbClr val="000000"/>
                   </a:solidFill>
@@ -4121,7 +4131,7 @@
             </a:ln>
             <a:extLst>
               <a:ext uri="{91240B29-F687-4f45-9708-019B960494DF}">
-                <a14:hiddenLine xmlns:a14="http://schemas.microsoft.com/office/drawing/2010/main" xmlns="" w="9525">
+                <a14:hiddenLine xmlns="" xmlns:a14="http://schemas.microsoft.com/office/drawing/2010/main" w="9525">
                   <a:solidFill>
                     <a:srgbClr val="000000"/>
                   </a:solidFill>
@@ -4211,7 +4221,7 @@
             </a:ln>
             <a:extLst>
               <a:ext uri="{91240B29-F687-4f45-9708-019B960494DF}">
-                <a14:hiddenLine xmlns:a14="http://schemas.microsoft.com/office/drawing/2010/main" xmlns="" w="9525">
+                <a14:hiddenLine xmlns="" xmlns:a14="http://schemas.microsoft.com/office/drawing/2010/main" w="9525">
                   <a:solidFill>
                     <a:srgbClr val="000000"/>
                   </a:solidFill>
@@ -4273,7 +4283,7 @@
             </a:ln>
             <a:extLst>
               <a:ext uri="{91240B29-F687-4f45-9708-019B960494DF}">
-                <a14:hiddenLine xmlns:a14="http://schemas.microsoft.com/office/drawing/2010/main" xmlns="" w="9525">
+                <a14:hiddenLine xmlns="" xmlns:a14="http://schemas.microsoft.com/office/drawing/2010/main" w="9525">
                   <a:solidFill>
                     <a:srgbClr val="000000"/>
                   </a:solidFill>
@@ -4363,7 +4373,7 @@
             </a:ln>
             <a:extLst>
               <a:ext uri="{91240B29-F687-4f45-9708-019B960494DF}">
-                <a14:hiddenLine xmlns:a14="http://schemas.microsoft.com/office/drawing/2010/main" xmlns="" w="9525">
+                <a14:hiddenLine xmlns="" xmlns:a14="http://schemas.microsoft.com/office/drawing/2010/main" w="9525">
                   <a:solidFill>
                     <a:srgbClr val="000000"/>
                   </a:solidFill>
@@ -4453,7 +4463,7 @@
             </a:ln>
             <a:extLst>
               <a:ext uri="{91240B29-F687-4f45-9708-019B960494DF}">
-                <a14:hiddenLine xmlns:a14="http://schemas.microsoft.com/office/drawing/2010/main" xmlns="" w="9525">
+                <a14:hiddenLine xmlns="" xmlns:a14="http://schemas.microsoft.com/office/drawing/2010/main" w="9525">
                   <a:solidFill>
                     <a:srgbClr val="000000"/>
                   </a:solidFill>
@@ -4509,7 +4519,7 @@
             </a:ln>
             <a:extLst>
               <a:ext uri="{91240B29-F687-4f45-9708-019B960494DF}">
-                <a14:hiddenLine xmlns:a14="http://schemas.microsoft.com/office/drawing/2010/main" xmlns="" w="9525">
+                <a14:hiddenLine xmlns="" xmlns:a14="http://schemas.microsoft.com/office/drawing/2010/main" w="9525">
                   <a:solidFill>
                     <a:srgbClr val="000000"/>
                   </a:solidFill>
@@ -4599,7 +4609,7 @@
             </a:ln>
             <a:extLst>
               <a:ext uri="{91240B29-F687-4f45-9708-019B960494DF}">
-                <a14:hiddenLine xmlns:a14="http://schemas.microsoft.com/office/drawing/2010/main" xmlns="" w="9525">
+                <a14:hiddenLine xmlns="" xmlns:a14="http://schemas.microsoft.com/office/drawing/2010/main" w="9525">
                   <a:solidFill>
                     <a:srgbClr val="000000"/>
                   </a:solidFill>
@@ -4655,7 +4665,7 @@
             </a:ln>
             <a:extLst>
               <a:ext uri="{91240B29-F687-4f45-9708-019B960494DF}">
-                <a14:hiddenLine xmlns:a14="http://schemas.microsoft.com/office/drawing/2010/main" xmlns="" w="9525">
+                <a14:hiddenLine xmlns="" xmlns:a14="http://schemas.microsoft.com/office/drawing/2010/main" w="9525">
                   <a:solidFill>
                     <a:srgbClr val="000000"/>
                   </a:solidFill>
@@ -4745,7 +4755,7 @@
             </a:ln>
             <a:extLst>
               <a:ext uri="{91240B29-F687-4f45-9708-019B960494DF}">
-                <a14:hiddenLine xmlns:a14="http://schemas.microsoft.com/office/drawing/2010/main" xmlns="" w="9525">
+                <a14:hiddenLine xmlns="" xmlns:a14="http://schemas.microsoft.com/office/drawing/2010/main" w="9525">
                   <a:solidFill>
                     <a:srgbClr val="000000"/>
                   </a:solidFill>
@@ -4813,7 +4823,7 @@
             </a:ln>
             <a:extLst>
               <a:ext uri="{91240B29-F687-4f45-9708-019B960494DF}">
-                <a14:hiddenLine xmlns:a14="http://schemas.microsoft.com/office/drawing/2010/main" xmlns="" w="9525">
+                <a14:hiddenLine xmlns="" xmlns:a14="http://schemas.microsoft.com/office/drawing/2010/main" w="9525">
                   <a:solidFill>
                     <a:srgbClr val="000000"/>
                   </a:solidFill>
@@ -4903,7 +4913,7 @@
             </a:ln>
             <a:extLst>
               <a:ext uri="{91240B29-F687-4f45-9708-019B960494DF}">
-                <a14:hiddenLine xmlns:a14="http://schemas.microsoft.com/office/drawing/2010/main" xmlns="" w="9525">
+                <a14:hiddenLine xmlns="" xmlns:a14="http://schemas.microsoft.com/office/drawing/2010/main" w="9525">
                   <a:solidFill>
                     <a:srgbClr val="000000"/>
                   </a:solidFill>
@@ -4971,7 +4981,7 @@
             </a:ln>
             <a:extLst>
               <a:ext uri="{91240B29-F687-4f45-9708-019B960494DF}">
-                <a14:hiddenLine xmlns:a14="http://schemas.microsoft.com/office/drawing/2010/main" xmlns="" w="9525">
+                <a14:hiddenLine xmlns="" xmlns:a14="http://schemas.microsoft.com/office/drawing/2010/main" w="9525">
                   <a:solidFill>
                     <a:srgbClr val="000000"/>
                   </a:solidFill>
@@ -5061,7 +5071,7 @@
             </a:ln>
             <a:extLst>
               <a:ext uri="{91240B29-F687-4f45-9708-019B960494DF}">
-                <a14:hiddenLine xmlns:a14="http://schemas.microsoft.com/office/drawing/2010/main" xmlns="" w="9525">
+                <a14:hiddenLine xmlns="" xmlns:a14="http://schemas.microsoft.com/office/drawing/2010/main" w="9525">
                   <a:solidFill>
                     <a:srgbClr val="000000"/>
                   </a:solidFill>
@@ -5095,7 +5105,7 @@
             </a:ln>
             <a:extLst>
               <a:ext uri="{91240B29-F687-4f45-9708-019B960494DF}">
-                <a14:hiddenLine xmlns:a14="http://schemas.microsoft.com/office/drawing/2010/main" xmlns="" w="9525">
+                <a14:hiddenLine xmlns="" xmlns:a14="http://schemas.microsoft.com/office/drawing/2010/main" w="9525">
                   <a:solidFill>
                     <a:srgbClr val="000000"/>
                   </a:solidFill>
@@ -5185,7 +5195,7 @@
             </a:ln>
             <a:extLst>
               <a:ext uri="{91240B29-F687-4f45-9708-019B960494DF}">
-                <a14:hiddenLine xmlns:a14="http://schemas.microsoft.com/office/drawing/2010/main" xmlns="" w="9525">
+                <a14:hiddenLine xmlns="" xmlns:a14="http://schemas.microsoft.com/office/drawing/2010/main" w="9525">
                   <a:solidFill>
                     <a:srgbClr val="000000"/>
                   </a:solidFill>
@@ -5247,7 +5257,7 @@
             </a:ln>
             <a:extLst>
               <a:ext uri="{91240B29-F687-4f45-9708-019B960494DF}">
-                <a14:hiddenLine xmlns:a14="http://schemas.microsoft.com/office/drawing/2010/main" xmlns="" w="9525">
+                <a14:hiddenLine xmlns="" xmlns:a14="http://schemas.microsoft.com/office/drawing/2010/main" w="9525">
                   <a:solidFill>
                     <a:srgbClr val="000000"/>
                   </a:solidFill>
@@ -5309,7 +5319,7 @@
             </a:ln>
             <a:extLst>
               <a:ext uri="{91240B29-F687-4f45-9708-019B960494DF}">
-                <a14:hiddenLine xmlns:a14="http://schemas.microsoft.com/office/drawing/2010/main" xmlns="" w="9525">
+                <a14:hiddenLine xmlns="" xmlns:a14="http://schemas.microsoft.com/office/drawing/2010/main" w="9525">
                   <a:solidFill>
                     <a:srgbClr val="000000"/>
                   </a:solidFill>
@@ -5399,7 +5409,7 @@
             </a:ln>
             <a:extLst>
               <a:ext uri="{91240B29-F687-4f45-9708-019B960494DF}">
-                <a14:hiddenLine xmlns:a14="http://schemas.microsoft.com/office/drawing/2010/main" xmlns="" w="9525">
+                <a14:hiddenLine xmlns="" xmlns:a14="http://schemas.microsoft.com/office/drawing/2010/main" w="9525">
                   <a:solidFill>
                     <a:srgbClr val="000000"/>
                   </a:solidFill>
@@ -5467,7 +5477,7 @@
             </a:ln>
             <a:extLst>
               <a:ext uri="{91240B29-F687-4f45-9708-019B960494DF}">
-                <a14:hiddenLine xmlns:a14="http://schemas.microsoft.com/office/drawing/2010/main" xmlns="" w="9525">
+                <a14:hiddenLine xmlns="" xmlns:a14="http://schemas.microsoft.com/office/drawing/2010/main" w="9525">
                   <a:solidFill>
                     <a:srgbClr val="000000"/>
                   </a:solidFill>
@@ -5529,7 +5539,7 @@
             </a:ln>
             <a:extLst>
               <a:ext uri="{91240B29-F687-4f45-9708-019B960494DF}">
-                <a14:hiddenLine xmlns:a14="http://schemas.microsoft.com/office/drawing/2010/main" xmlns="" w="9525">
+                <a14:hiddenLine xmlns="" xmlns:a14="http://schemas.microsoft.com/office/drawing/2010/main" w="9525">
                   <a:solidFill>
                     <a:srgbClr val="000000"/>
                   </a:solidFill>
@@ -5619,7 +5629,7 @@
             </a:ln>
             <a:extLst>
               <a:ext uri="{91240B29-F687-4f45-9708-019B960494DF}">
-                <a14:hiddenLine xmlns:a14="http://schemas.microsoft.com/office/drawing/2010/main" xmlns="" w="9525">
+                <a14:hiddenLine xmlns="" xmlns:a14="http://schemas.microsoft.com/office/drawing/2010/main" w="9525">
                   <a:solidFill>
                     <a:srgbClr val="000000"/>
                   </a:solidFill>
@@ -5681,7 +5691,7 @@
             </a:ln>
             <a:extLst>
               <a:ext uri="{91240B29-F687-4f45-9708-019B960494DF}">
-                <a14:hiddenLine xmlns:a14="http://schemas.microsoft.com/office/drawing/2010/main" xmlns="" w="9525">
+                <a14:hiddenLine xmlns="" xmlns:a14="http://schemas.microsoft.com/office/drawing/2010/main" w="9525">
                   <a:solidFill>
                     <a:srgbClr val="000000"/>
                   </a:solidFill>
@@ -5771,7 +5781,7 @@
             </a:ln>
             <a:extLst>
               <a:ext uri="{91240B29-F687-4f45-9708-019B960494DF}">
-                <a14:hiddenLine xmlns:a14="http://schemas.microsoft.com/office/drawing/2010/main" xmlns="" w="9525">
+                <a14:hiddenLine xmlns="" xmlns:a14="http://schemas.microsoft.com/office/drawing/2010/main" w="9525">
                   <a:solidFill>
                     <a:srgbClr val="000000"/>
                   </a:solidFill>
@@ -5833,7 +5843,7 @@
             </a:ln>
             <a:extLst>
               <a:ext uri="{91240B29-F687-4f45-9708-019B960494DF}">
-                <a14:hiddenLine xmlns:a14="http://schemas.microsoft.com/office/drawing/2010/main" xmlns="" w="9525">
+                <a14:hiddenLine xmlns="" xmlns:a14="http://schemas.microsoft.com/office/drawing/2010/main" w="9525">
                   <a:solidFill>
                     <a:srgbClr val="000000"/>
                   </a:solidFill>
@@ -5923,7 +5933,7 @@
             </a:ln>
             <a:extLst>
               <a:ext uri="{91240B29-F687-4f45-9708-019B960494DF}">
-                <a14:hiddenLine xmlns:a14="http://schemas.microsoft.com/office/drawing/2010/main" xmlns="" w="9525">
+                <a14:hiddenLine xmlns="" xmlns:a14="http://schemas.microsoft.com/office/drawing/2010/main" w="9525">
                   <a:solidFill>
                     <a:srgbClr val="000000"/>
                   </a:solidFill>
@@ -5957,7 +5967,7 @@
             </a:ln>
             <a:extLst>
               <a:ext uri="{91240B29-F687-4f45-9708-019B960494DF}">
-                <a14:hiddenLine xmlns:a14="http://schemas.microsoft.com/office/drawing/2010/main" xmlns="" w="9525">
+                <a14:hiddenLine xmlns="" xmlns:a14="http://schemas.microsoft.com/office/drawing/2010/main" w="9525">
                   <a:solidFill>
                     <a:srgbClr val="000000"/>
                   </a:solidFill>
@@ -6022,7 +6032,7 @@
             </a:ln>
             <a:extLst>
               <a:ext uri="{91240B29-F687-4f45-9708-019B960494DF}">
-                <a14:hiddenLine xmlns:a14="http://schemas.microsoft.com/office/drawing/2010/main" xmlns="" w="9525">
+                <a14:hiddenLine xmlns="" xmlns:a14="http://schemas.microsoft.com/office/drawing/2010/main" w="9525">
                   <a:solidFill>
                     <a:srgbClr val="000000"/>
                   </a:solidFill>
@@ -6112,7 +6122,7 @@
             </a:ln>
             <a:extLst>
               <a:ext uri="{91240B29-F687-4f45-9708-019B960494DF}">
-                <a14:hiddenLine xmlns:a14="http://schemas.microsoft.com/office/drawing/2010/main" xmlns="" w="9525">
+                <a14:hiddenLine xmlns="" xmlns:a14="http://schemas.microsoft.com/office/drawing/2010/main" w="9525">
                   <a:solidFill>
                     <a:srgbClr val="000000"/>
                   </a:solidFill>
@@ -6174,7 +6184,7 @@
             </a:ln>
             <a:extLst>
               <a:ext uri="{91240B29-F687-4f45-9708-019B960494DF}">
-                <a14:hiddenLine xmlns:a14="http://schemas.microsoft.com/office/drawing/2010/main" xmlns="" w="9525">
+                <a14:hiddenLine xmlns="" xmlns:a14="http://schemas.microsoft.com/office/drawing/2010/main" w="9525">
                   <a:solidFill>
                     <a:srgbClr val="000000"/>
                   </a:solidFill>
@@ -6264,7 +6274,7 @@
             </a:ln>
             <a:extLst>
               <a:ext uri="{91240B29-F687-4f45-9708-019B960494DF}">
-                <a14:hiddenLine xmlns:a14="http://schemas.microsoft.com/office/drawing/2010/main" xmlns="" w="9525">
+                <a14:hiddenLine xmlns="" xmlns:a14="http://schemas.microsoft.com/office/drawing/2010/main" w="9525">
                   <a:solidFill>
                     <a:srgbClr val="000000"/>
                   </a:solidFill>
@@ -6354,7 +6364,7 @@
             </a:ln>
             <a:extLst>
               <a:ext uri="{91240B29-F687-4f45-9708-019B960494DF}">
-                <a14:hiddenLine xmlns:a14="http://schemas.microsoft.com/office/drawing/2010/main" xmlns="" w="9525">
+                <a14:hiddenLine xmlns="" xmlns:a14="http://schemas.microsoft.com/office/drawing/2010/main" w="9525">
                   <a:solidFill>
                     <a:srgbClr val="000000"/>
                   </a:solidFill>
@@ -6419,7 +6429,7 @@
             </a:ln>
             <a:extLst>
               <a:ext uri="{91240B29-F687-4f45-9708-019B960494DF}">
-                <a14:hiddenLine xmlns:a14="http://schemas.microsoft.com/office/drawing/2010/main" xmlns="" w="9525">
+                <a14:hiddenLine xmlns="" xmlns:a14="http://schemas.microsoft.com/office/drawing/2010/main" w="9525">
                   <a:solidFill>
                     <a:srgbClr val="000000"/>
                   </a:solidFill>
@@ -6481,7 +6491,7 @@
             </a:ln>
             <a:extLst>
               <a:ext uri="{91240B29-F687-4f45-9708-019B960494DF}">
-                <a14:hiddenLine xmlns:a14="http://schemas.microsoft.com/office/drawing/2010/main" xmlns="" w="9525">
+                <a14:hiddenLine xmlns="" xmlns:a14="http://schemas.microsoft.com/office/drawing/2010/main" w="9525">
                   <a:solidFill>
                     <a:srgbClr val="000000"/>
                   </a:solidFill>
@@ -6571,7 +6581,7 @@
             </a:ln>
             <a:extLst>
               <a:ext uri="{91240B29-F687-4f45-9708-019B960494DF}">
-                <a14:hiddenLine xmlns:a14="http://schemas.microsoft.com/office/drawing/2010/main" xmlns="" w="9525">
+                <a14:hiddenLine xmlns="" xmlns:a14="http://schemas.microsoft.com/office/drawing/2010/main" w="9525">
                   <a:solidFill>
                     <a:srgbClr val="000000"/>
                   </a:solidFill>
@@ -6661,7 +6671,7 @@
             </a:ln>
             <a:extLst>
               <a:ext uri="{91240B29-F687-4f45-9708-019B960494DF}">
-                <a14:hiddenLine xmlns:a14="http://schemas.microsoft.com/office/drawing/2010/main" xmlns="" w="9525">
+                <a14:hiddenLine xmlns="" xmlns:a14="http://schemas.microsoft.com/office/drawing/2010/main" w="9525">
                   <a:solidFill>
                     <a:srgbClr val="000000"/>
                   </a:solidFill>
@@ -6723,7 +6733,7 @@
             </a:ln>
             <a:extLst>
               <a:ext uri="{91240B29-F687-4f45-9708-019B960494DF}">
-                <a14:hiddenLine xmlns:a14="http://schemas.microsoft.com/office/drawing/2010/main" xmlns="" w="9525">
+                <a14:hiddenLine xmlns="" xmlns:a14="http://schemas.microsoft.com/office/drawing/2010/main" w="9525">
                   <a:solidFill>
                     <a:srgbClr val="000000"/>
                   </a:solidFill>
@@ -6843,7 +6853,7 @@
             </a:ln>
             <a:extLst>
               <a:ext uri="{91240B29-F687-4f45-9708-019B960494DF}">
-                <a14:hiddenLine xmlns:a14="http://schemas.microsoft.com/office/drawing/2010/main" xmlns="" w="9525">
+                <a14:hiddenLine xmlns="" xmlns:a14="http://schemas.microsoft.com/office/drawing/2010/main" w="9525">
                   <a:solidFill>
                     <a:srgbClr val="000000"/>
                   </a:solidFill>
@@ -6911,7 +6921,7 @@
             </a:ln>
             <a:extLst>
               <a:ext uri="{91240B29-F687-4f45-9708-019B960494DF}">
-                <a14:hiddenLine xmlns:a14="http://schemas.microsoft.com/office/drawing/2010/main" xmlns="" w="9525">
+                <a14:hiddenLine xmlns="" xmlns:a14="http://schemas.microsoft.com/office/drawing/2010/main" w="9525">
                   <a:solidFill>
                     <a:srgbClr val="000000"/>
                   </a:solidFill>
@@ -7001,7 +7011,7 @@
             </a:ln>
             <a:extLst>
               <a:ext uri="{91240B29-F687-4f45-9708-019B960494DF}">
-                <a14:hiddenLine xmlns:a14="http://schemas.microsoft.com/office/drawing/2010/main" xmlns="" w="9525">
+                <a14:hiddenLine xmlns="" xmlns:a14="http://schemas.microsoft.com/office/drawing/2010/main" w="9525">
                   <a:solidFill>
                     <a:srgbClr val="000000"/>
                   </a:solidFill>
@@ -11808,7 +11818,7 @@
           <a:noFill/>
           <a:extLst>
             <a:ext uri="{909E8E84-426E-40dd-AFC4-6F175D3DCCD1}">
-              <a14:hiddenFill xmlns:a14="http://schemas.microsoft.com/office/drawing/2010/main" xmlns="">
+              <a14:hiddenFill xmlns="" xmlns:a14="http://schemas.microsoft.com/office/drawing/2010/main">
                 <a:solidFill>
                   <a:srgbClr val="FFFFFF"/>
                 </a:solidFill>
@@ -11882,7 +11892,7 @@
               </a:ln>
               <a:extLst>
                 <a:ext uri="{91240B29-F687-4f45-9708-019B960494DF}">
-                  <a14:hiddenLine xmlns:a14="http://schemas.microsoft.com/office/drawing/2010/main" xmlns="" w="9525">
+                  <a14:hiddenLine xmlns="" xmlns:a14="http://schemas.microsoft.com/office/drawing/2010/main" w="9525">
                     <a:solidFill>
                       <a:srgbClr val="000000"/>
                     </a:solidFill>
@@ -11972,7 +11982,7 @@
               </a:ln>
               <a:extLst>
                 <a:ext uri="{91240B29-F687-4f45-9708-019B960494DF}">
-                  <a14:hiddenLine xmlns:a14="http://schemas.microsoft.com/office/drawing/2010/main" xmlns="" w="9525">
+                  <a14:hiddenLine xmlns="" xmlns:a14="http://schemas.microsoft.com/office/drawing/2010/main" w="9525">
                     <a:solidFill>
                       <a:srgbClr val="000000"/>
                     </a:solidFill>
@@ -12062,7 +12072,7 @@
               </a:ln>
               <a:extLst>
                 <a:ext uri="{91240B29-F687-4f45-9708-019B960494DF}">
-                  <a14:hiddenLine xmlns:a14="http://schemas.microsoft.com/office/drawing/2010/main" xmlns="" w="9525">
+                  <a14:hiddenLine xmlns="" xmlns:a14="http://schemas.microsoft.com/office/drawing/2010/main" w="9525">
                     <a:solidFill>
                       <a:srgbClr val="000000"/>
                     </a:solidFill>
@@ -12124,7 +12134,7 @@
               </a:ln>
               <a:extLst>
                 <a:ext uri="{91240B29-F687-4f45-9708-019B960494DF}">
-                  <a14:hiddenLine xmlns:a14="http://schemas.microsoft.com/office/drawing/2010/main" xmlns="" w="9525">
+                  <a14:hiddenLine xmlns="" xmlns:a14="http://schemas.microsoft.com/office/drawing/2010/main" w="9525">
                     <a:solidFill>
                       <a:srgbClr val="000000"/>
                     </a:solidFill>
@@ -12214,7 +12224,7 @@
               </a:ln>
               <a:extLst>
                 <a:ext uri="{91240B29-F687-4f45-9708-019B960494DF}">
-                  <a14:hiddenLine xmlns:a14="http://schemas.microsoft.com/office/drawing/2010/main" xmlns="" w="9525">
+                  <a14:hiddenLine xmlns="" xmlns:a14="http://schemas.microsoft.com/office/drawing/2010/main" w="9525">
                     <a:solidFill>
                       <a:srgbClr val="000000"/>
                     </a:solidFill>
@@ -12276,7 +12286,7 @@
               </a:ln>
               <a:extLst>
                 <a:ext uri="{91240B29-F687-4f45-9708-019B960494DF}">
-                  <a14:hiddenLine xmlns:a14="http://schemas.microsoft.com/office/drawing/2010/main" xmlns="" w="9525">
+                  <a14:hiddenLine xmlns="" xmlns:a14="http://schemas.microsoft.com/office/drawing/2010/main" w="9525">
                     <a:solidFill>
                       <a:srgbClr val="000000"/>
                     </a:solidFill>
@@ -12338,7 +12348,7 @@
               </a:ln>
               <a:extLst>
                 <a:ext uri="{91240B29-F687-4f45-9708-019B960494DF}">
-                  <a14:hiddenLine xmlns:a14="http://schemas.microsoft.com/office/drawing/2010/main" xmlns="" w="9525">
+                  <a14:hiddenLine xmlns="" xmlns:a14="http://schemas.microsoft.com/office/drawing/2010/main" w="9525">
                     <a:solidFill>
                       <a:srgbClr val="000000"/>
                     </a:solidFill>
@@ -12428,7 +12438,7 @@
               </a:ln>
               <a:extLst>
                 <a:ext uri="{91240B29-F687-4f45-9708-019B960494DF}">
-                  <a14:hiddenLine xmlns:a14="http://schemas.microsoft.com/office/drawing/2010/main" xmlns="" w="9525">
+                  <a14:hiddenLine xmlns="" xmlns:a14="http://schemas.microsoft.com/office/drawing/2010/main" w="9525">
                     <a:solidFill>
                       <a:srgbClr val="000000"/>
                     </a:solidFill>
@@ -12518,7 +12528,7 @@
               </a:ln>
               <a:extLst>
                 <a:ext uri="{91240B29-F687-4f45-9708-019B960494DF}">
-                  <a14:hiddenLine xmlns:a14="http://schemas.microsoft.com/office/drawing/2010/main" xmlns="" w="9525">
+                  <a14:hiddenLine xmlns="" xmlns:a14="http://schemas.microsoft.com/office/drawing/2010/main" w="9525">
                     <a:solidFill>
                       <a:srgbClr val="000000"/>
                     </a:solidFill>
@@ -12580,7 +12590,7 @@
               </a:ln>
               <a:extLst>
                 <a:ext uri="{91240B29-F687-4f45-9708-019B960494DF}">
-                  <a14:hiddenLine xmlns:a14="http://schemas.microsoft.com/office/drawing/2010/main" xmlns="" w="9525">
+                  <a14:hiddenLine xmlns="" xmlns:a14="http://schemas.microsoft.com/office/drawing/2010/main" w="9525">
                     <a:solidFill>
                       <a:srgbClr val="000000"/>
                     </a:solidFill>
@@ -12690,7 +12700,7 @@
               </a:ln>
               <a:extLst>
                 <a:ext uri="{91240B29-F687-4f45-9708-019B960494DF}">
-                  <a14:hiddenLine xmlns:a14="http://schemas.microsoft.com/office/drawing/2010/main" xmlns="" w="9525">
+                  <a14:hiddenLine xmlns="" xmlns:a14="http://schemas.microsoft.com/office/drawing/2010/main" w="9525">
                     <a:solidFill>
                       <a:srgbClr val="000000"/>
                     </a:solidFill>
@@ -12774,7 +12784,7 @@
               </a:ln>
               <a:extLst>
                 <a:ext uri="{91240B29-F687-4f45-9708-019B960494DF}">
-                  <a14:hiddenLine xmlns:a14="http://schemas.microsoft.com/office/drawing/2010/main" xmlns="" w="9525">
+                  <a14:hiddenLine xmlns="" xmlns:a14="http://schemas.microsoft.com/office/drawing/2010/main" w="9525">
                     <a:solidFill>
                       <a:srgbClr val="000000"/>
                     </a:solidFill>
@@ -12836,7 +12846,7 @@
               </a:ln>
               <a:extLst>
                 <a:ext uri="{91240B29-F687-4f45-9708-019B960494DF}">
-                  <a14:hiddenLine xmlns:a14="http://schemas.microsoft.com/office/drawing/2010/main" xmlns="" w="9525">
+                  <a14:hiddenLine xmlns="" xmlns:a14="http://schemas.microsoft.com/office/drawing/2010/main" w="9525">
                     <a:solidFill>
                       <a:srgbClr val="000000"/>
                     </a:solidFill>
@@ -12898,7 +12908,7 @@
               </a:ln>
               <a:extLst>
                 <a:ext uri="{91240B29-F687-4f45-9708-019B960494DF}">
-                  <a14:hiddenLine xmlns:a14="http://schemas.microsoft.com/office/drawing/2010/main" xmlns="" w="9525">
+                  <a14:hiddenLine xmlns="" xmlns:a14="http://schemas.microsoft.com/office/drawing/2010/main" w="9525">
                     <a:solidFill>
                       <a:srgbClr val="000000"/>
                     </a:solidFill>
@@ -12988,7 +12998,7 @@
               </a:ln>
               <a:extLst>
                 <a:ext uri="{91240B29-F687-4f45-9708-019B960494DF}">
-                  <a14:hiddenLine xmlns:a14="http://schemas.microsoft.com/office/drawing/2010/main" xmlns="" w="9525">
+                  <a14:hiddenLine xmlns="" xmlns:a14="http://schemas.microsoft.com/office/drawing/2010/main" w="9525">
                     <a:solidFill>
                       <a:srgbClr val="000000"/>
                     </a:solidFill>
@@ -13022,7 +13032,7 @@
               </a:ln>
               <a:extLst>
                 <a:ext uri="{91240B29-F687-4f45-9708-019B960494DF}">
-                  <a14:hiddenLine xmlns:a14="http://schemas.microsoft.com/office/drawing/2010/main" xmlns="" w="9525">
+                  <a14:hiddenLine xmlns="" xmlns:a14="http://schemas.microsoft.com/office/drawing/2010/main" w="9525">
                     <a:solidFill>
                       <a:srgbClr val="000000"/>
                     </a:solidFill>
@@ -13087,7 +13097,7 @@
               </a:ln>
               <a:extLst>
                 <a:ext uri="{91240B29-F687-4f45-9708-019B960494DF}">
-                  <a14:hiddenLine xmlns:a14="http://schemas.microsoft.com/office/drawing/2010/main" xmlns="" w="9525">
+                  <a14:hiddenLine xmlns="" xmlns:a14="http://schemas.microsoft.com/office/drawing/2010/main" w="9525">
                     <a:solidFill>
                       <a:srgbClr val="000000"/>
                     </a:solidFill>
@@ -13177,7 +13187,7 @@
               </a:ln>
               <a:extLst>
                 <a:ext uri="{91240B29-F687-4f45-9708-019B960494DF}">
-                  <a14:hiddenLine xmlns:a14="http://schemas.microsoft.com/office/drawing/2010/main" xmlns="" w="9525">
+                  <a14:hiddenLine xmlns="" xmlns:a14="http://schemas.microsoft.com/office/drawing/2010/main" w="9525">
                     <a:solidFill>
                       <a:srgbClr val="000000"/>
                     </a:solidFill>
@@ -13239,7 +13249,7 @@
               </a:ln>
               <a:extLst>
                 <a:ext uri="{91240B29-F687-4f45-9708-019B960494DF}">
-                  <a14:hiddenLine xmlns:a14="http://schemas.microsoft.com/office/drawing/2010/main" xmlns="" w="9525">
+                  <a14:hiddenLine xmlns="" xmlns:a14="http://schemas.microsoft.com/office/drawing/2010/main" w="9525">
                     <a:solidFill>
                       <a:srgbClr val="000000"/>
                     </a:solidFill>
@@ -13329,7 +13339,7 @@
               </a:ln>
               <a:extLst>
                 <a:ext uri="{91240B29-F687-4f45-9708-019B960494DF}">
-                  <a14:hiddenLine xmlns:a14="http://schemas.microsoft.com/office/drawing/2010/main" xmlns="" w="9525">
+                  <a14:hiddenLine xmlns="" xmlns:a14="http://schemas.microsoft.com/office/drawing/2010/main" w="9525">
                     <a:solidFill>
                       <a:srgbClr val="000000"/>
                     </a:solidFill>
@@ -13394,7 +13404,7 @@
               </a:ln>
               <a:extLst>
                 <a:ext uri="{91240B29-F687-4f45-9708-019B960494DF}">
-                  <a14:hiddenLine xmlns:a14="http://schemas.microsoft.com/office/drawing/2010/main" xmlns="" w="9525">
+                  <a14:hiddenLine xmlns="" xmlns:a14="http://schemas.microsoft.com/office/drawing/2010/main" w="9525">
                     <a:solidFill>
                       <a:srgbClr val="000000"/>
                     </a:solidFill>
@@ -13456,7 +13466,7 @@
               </a:ln>
               <a:extLst>
                 <a:ext uri="{91240B29-F687-4f45-9708-019B960494DF}">
-                  <a14:hiddenLine xmlns:a14="http://schemas.microsoft.com/office/drawing/2010/main" xmlns="" w="9525">
+                  <a14:hiddenLine xmlns="" xmlns:a14="http://schemas.microsoft.com/office/drawing/2010/main" w="9525">
                     <a:solidFill>
                       <a:srgbClr val="000000"/>
                     </a:solidFill>
@@ -13546,7 +13556,7 @@
               </a:ln>
               <a:extLst>
                 <a:ext uri="{91240B29-F687-4f45-9708-019B960494DF}">
-                  <a14:hiddenLine xmlns:a14="http://schemas.microsoft.com/office/drawing/2010/main" xmlns="" w="9525">
+                  <a14:hiddenLine xmlns="" xmlns:a14="http://schemas.microsoft.com/office/drawing/2010/main" w="9525">
                     <a:solidFill>
                       <a:srgbClr val="000000"/>
                     </a:solidFill>
@@ -13636,7 +13646,7 @@
               </a:ln>
               <a:extLst>
                 <a:ext uri="{91240B29-F687-4f45-9708-019B960494DF}">
-                  <a14:hiddenLine xmlns:a14="http://schemas.microsoft.com/office/drawing/2010/main" xmlns="" w="9525">
+                  <a14:hiddenLine xmlns="" xmlns:a14="http://schemas.microsoft.com/office/drawing/2010/main" w="9525">
                     <a:solidFill>
                       <a:srgbClr val="000000"/>
                     </a:solidFill>
@@ -13701,7 +13711,7 @@
               </a:ln>
               <a:extLst>
                 <a:ext uri="{91240B29-F687-4f45-9708-019B960494DF}">
-                  <a14:hiddenLine xmlns:a14="http://schemas.microsoft.com/office/drawing/2010/main" xmlns="" w="9525">
+                  <a14:hiddenLine xmlns="" xmlns:a14="http://schemas.microsoft.com/office/drawing/2010/main" w="9525">
                     <a:solidFill>
                       <a:srgbClr val="000000"/>
                     </a:solidFill>
@@ -13821,7 +13831,7 @@
               </a:ln>
               <a:extLst>
                 <a:ext uri="{91240B29-F687-4f45-9708-019B960494DF}">
-                  <a14:hiddenLine xmlns:a14="http://schemas.microsoft.com/office/drawing/2010/main" xmlns="" w="9525">
+                  <a14:hiddenLine xmlns="" xmlns:a14="http://schemas.microsoft.com/office/drawing/2010/main" w="9525">
                     <a:solidFill>
                       <a:srgbClr val="000000"/>
                     </a:solidFill>
@@ -13919,7 +13929,7 @@
               </a:ln>
               <a:extLst>
                 <a:ext uri="{91240B29-F687-4f45-9708-019B960494DF}">
-                  <a14:hiddenLine xmlns:a14="http://schemas.microsoft.com/office/drawing/2010/main" xmlns="" w="9525">
+                  <a14:hiddenLine xmlns="" xmlns:a14="http://schemas.microsoft.com/office/drawing/2010/main" w="9525">
                     <a:solidFill>
                       <a:srgbClr val="000000"/>
                     </a:solidFill>
@@ -14034,7 +14044,7 @@
               </a:ln>
               <a:extLst>
                 <a:ext uri="{91240B29-F687-4f45-9708-019B960494DF}">
-                  <a14:hiddenLine xmlns:a14="http://schemas.microsoft.com/office/drawing/2010/main" xmlns="" w="9525">
+                  <a14:hiddenLine xmlns="" xmlns:a14="http://schemas.microsoft.com/office/drawing/2010/main" w="9525">
                     <a:solidFill>
                       <a:srgbClr val="000000"/>
                     </a:solidFill>
@@ -14124,7 +14134,7 @@
               </a:ln>
               <a:extLst>
                 <a:ext uri="{91240B29-F687-4f45-9708-019B960494DF}">
-                  <a14:hiddenLine xmlns:a14="http://schemas.microsoft.com/office/drawing/2010/main" xmlns="" w="9525">
+                  <a14:hiddenLine xmlns="" xmlns:a14="http://schemas.microsoft.com/office/drawing/2010/main" w="9525">
                     <a:solidFill>
                       <a:srgbClr val="000000"/>
                     </a:solidFill>
@@ -14189,7 +14199,7 @@
               </a:ln>
               <a:extLst>
                 <a:ext uri="{91240B29-F687-4f45-9708-019B960494DF}">
-                  <a14:hiddenLine xmlns:a14="http://schemas.microsoft.com/office/drawing/2010/main" xmlns="" w="9525">
+                  <a14:hiddenLine xmlns="" xmlns:a14="http://schemas.microsoft.com/office/drawing/2010/main" w="9525">
                     <a:solidFill>
                       <a:srgbClr val="000000"/>
                     </a:solidFill>
@@ -14279,7 +14289,7 @@
               </a:ln>
               <a:extLst>
                 <a:ext uri="{91240B29-F687-4f45-9708-019B960494DF}">
-                  <a14:hiddenLine xmlns:a14="http://schemas.microsoft.com/office/drawing/2010/main" xmlns="" w="9525">
+                  <a14:hiddenLine xmlns="" xmlns:a14="http://schemas.microsoft.com/office/drawing/2010/main" w="9525">
                     <a:solidFill>
                       <a:srgbClr val="000000"/>
                     </a:solidFill>
@@ -14347,7 +14357,7 @@
               </a:ln>
               <a:extLst>
                 <a:ext uri="{91240B29-F687-4f45-9708-019B960494DF}">
-                  <a14:hiddenLine xmlns:a14="http://schemas.microsoft.com/office/drawing/2010/main" xmlns="" w="9525">
+                  <a14:hiddenLine xmlns="" xmlns:a14="http://schemas.microsoft.com/office/drawing/2010/main" w="9525">
                     <a:solidFill>
                       <a:srgbClr val="000000"/>
                     </a:solidFill>
@@ -14437,7 +14447,7 @@
               </a:ln>
               <a:extLst>
                 <a:ext uri="{91240B29-F687-4f45-9708-019B960494DF}">
-                  <a14:hiddenLine xmlns:a14="http://schemas.microsoft.com/office/drawing/2010/main" xmlns="" w="9525">
+                  <a14:hiddenLine xmlns="" xmlns:a14="http://schemas.microsoft.com/office/drawing/2010/main" w="9525">
                     <a:solidFill>
                       <a:srgbClr val="000000"/>
                     </a:solidFill>
@@ -14505,7 +14515,7 @@
               </a:ln>
               <a:extLst>
                 <a:ext uri="{91240B29-F687-4f45-9708-019B960494DF}">
-                  <a14:hiddenLine xmlns:a14="http://schemas.microsoft.com/office/drawing/2010/main" xmlns="" w="9525">
+                  <a14:hiddenLine xmlns="" xmlns:a14="http://schemas.microsoft.com/office/drawing/2010/main" w="9525">
                     <a:solidFill>
                       <a:srgbClr val="000000"/>
                     </a:solidFill>
@@ -14595,7 +14605,7 @@
               </a:ln>
               <a:extLst>
                 <a:ext uri="{91240B29-F687-4f45-9708-019B960494DF}">
-                  <a14:hiddenLine xmlns:a14="http://schemas.microsoft.com/office/drawing/2010/main" xmlns="" w="9525">
+                  <a14:hiddenLine xmlns="" xmlns:a14="http://schemas.microsoft.com/office/drawing/2010/main" w="9525">
                     <a:solidFill>
                       <a:srgbClr val="000000"/>
                     </a:solidFill>
@@ -14629,7 +14639,7 @@
               </a:ln>
               <a:extLst>
                 <a:ext uri="{91240B29-F687-4f45-9708-019B960494DF}">
-                  <a14:hiddenLine xmlns:a14="http://schemas.microsoft.com/office/drawing/2010/main" xmlns="" w="9525">
+                  <a14:hiddenLine xmlns="" xmlns:a14="http://schemas.microsoft.com/office/drawing/2010/main" w="9525">
                     <a:solidFill>
                       <a:srgbClr val="000000"/>
                     </a:solidFill>
@@ -15413,6 +15423,380 @@
           <a:chExt cx="0" cy="0"/>
         </a:xfrm>
       </p:grpSpPr>
+      <p:pic>
+        <p:nvPicPr>
+          <p:cNvPr id="4" name="Content Placeholder 3"/>
+          <p:cNvPicPr>
+            <a:picLocks noGrp="1" noChangeAspect="1"/>
+          </p:cNvPicPr>
+          <p:nvPr>
+            <p:ph idx="1"/>
+          </p:nvPr>
+        </p:nvPicPr>
+        <p:blipFill>
+          <a:blip r:embed="rId2">
+            <a:extLst>
+              <a:ext uri="{28A0092B-C50C-407E-A947-70E740481C1C}">
+                <a14:useLocalDpi xmlns:a14="http://schemas.microsoft.com/office/drawing/2010/main" val="0"/>
+              </a:ext>
+            </a:extLst>
+          </a:blip>
+          <a:stretch>
+            <a:fillRect/>
+          </a:stretch>
+        </p:blipFill>
+        <p:spPr>
+          <a:xfrm>
+            <a:off x="1117512" y="655092"/>
+            <a:ext cx="9904011" cy="5568287"/>
+          </a:xfrm>
+        </p:spPr>
+      </p:pic>
+    </p:spTree>
+    <p:extLst>
+      <p:ext uri="{BB962C8B-B14F-4D97-AF65-F5344CB8AC3E}">
+        <p14:creationId xmlns:p14="http://schemas.microsoft.com/office/powerpoint/2010/main" val="607864364"/>
+      </p:ext>
+    </p:extLst>
+  </p:cSld>
+  <p:clrMapOvr>
+    <a:masterClrMapping/>
+  </p:clrMapOvr>
+</p:sld>
+</file>
+
+<file path=ppt/slides/slide11.xml><?xml version="1.0" encoding="utf-8"?>
+<p:sld xmlns:a="http://schemas.openxmlformats.org/drawingml/2006/main" xmlns:r="http://schemas.openxmlformats.org/officeDocument/2006/relationships" xmlns:p="http://schemas.openxmlformats.org/presentationml/2006/main">
+  <p:cSld>
+    <p:spTree>
+      <p:nvGrpSpPr>
+        <p:cNvPr id="1" name=""/>
+        <p:cNvGrpSpPr/>
+        <p:nvPr/>
+      </p:nvGrpSpPr>
+      <p:grpSpPr>
+        <a:xfrm>
+          <a:off x="0" y="0"/>
+          <a:ext cx="0" cy="0"/>
+          <a:chOff x="0" y="0"/>
+          <a:chExt cx="0" cy="0"/>
+        </a:xfrm>
+      </p:grpSpPr>
+      <p:pic>
+        <p:nvPicPr>
+          <p:cNvPr id="4" name="Picture 3"/>
+          <p:cNvPicPr>
+            <a:picLocks noChangeAspect="1"/>
+          </p:cNvPicPr>
+          <p:nvPr/>
+        </p:nvPicPr>
+        <p:blipFill>
+          <a:blip r:embed="rId2">
+            <a:extLst>
+              <a:ext uri="{28A0092B-C50C-407E-A947-70E740481C1C}">
+                <a14:useLocalDpi xmlns:a14="http://schemas.microsoft.com/office/drawing/2010/main" val="0"/>
+              </a:ext>
+            </a:extLst>
+          </a:blip>
+          <a:stretch>
+            <a:fillRect/>
+          </a:stretch>
+        </p:blipFill>
+        <p:spPr>
+          <a:xfrm>
+            <a:off x="1132764" y="656765"/>
+            <a:ext cx="10058400" cy="5655088"/>
+          </a:xfrm>
+          <a:prstGeom prst="rect">
+            <a:avLst/>
+          </a:prstGeom>
+        </p:spPr>
+      </p:pic>
+    </p:spTree>
+    <p:extLst>
+      <p:ext uri="{BB962C8B-B14F-4D97-AF65-F5344CB8AC3E}">
+        <p14:creationId xmlns:p14="http://schemas.microsoft.com/office/powerpoint/2010/main" val="1112905976"/>
+      </p:ext>
+    </p:extLst>
+  </p:cSld>
+  <p:clrMapOvr>
+    <a:masterClrMapping/>
+  </p:clrMapOvr>
+</p:sld>
+</file>
+
+<file path=ppt/slides/slide12.xml><?xml version="1.0" encoding="utf-8"?>
+<p:sld xmlns:a="http://schemas.openxmlformats.org/drawingml/2006/main" xmlns:r="http://schemas.openxmlformats.org/officeDocument/2006/relationships" xmlns:p="http://schemas.openxmlformats.org/presentationml/2006/main">
+  <p:cSld>
+    <p:spTree>
+      <p:nvGrpSpPr>
+        <p:cNvPr id="1" name=""/>
+        <p:cNvGrpSpPr/>
+        <p:nvPr/>
+      </p:nvGrpSpPr>
+      <p:grpSpPr>
+        <a:xfrm>
+          <a:off x="0" y="0"/>
+          <a:ext cx="0" cy="0"/>
+          <a:chOff x="0" y="0"/>
+          <a:chExt cx="0" cy="0"/>
+        </a:xfrm>
+      </p:grpSpPr>
+      <p:pic>
+        <p:nvPicPr>
+          <p:cNvPr id="4" name="Picture 3"/>
+          <p:cNvPicPr>
+            <a:picLocks noChangeAspect="1"/>
+          </p:cNvPicPr>
+          <p:nvPr/>
+        </p:nvPicPr>
+        <p:blipFill>
+          <a:blip r:embed="rId2">
+            <a:extLst>
+              <a:ext uri="{28A0092B-C50C-407E-A947-70E740481C1C}">
+                <a14:useLocalDpi xmlns:a14="http://schemas.microsoft.com/office/drawing/2010/main" val="0"/>
+              </a:ext>
+            </a:extLst>
+          </a:blip>
+          <a:stretch>
+            <a:fillRect/>
+          </a:stretch>
+        </p:blipFill>
+        <p:spPr>
+          <a:xfrm>
+            <a:off x="1187355" y="615823"/>
+            <a:ext cx="10058400" cy="5655088"/>
+          </a:xfrm>
+          <a:prstGeom prst="rect">
+            <a:avLst/>
+          </a:prstGeom>
+        </p:spPr>
+      </p:pic>
+    </p:spTree>
+    <p:extLst>
+      <p:ext uri="{BB962C8B-B14F-4D97-AF65-F5344CB8AC3E}">
+        <p14:creationId xmlns:p14="http://schemas.microsoft.com/office/powerpoint/2010/main" val="3390703409"/>
+      </p:ext>
+    </p:extLst>
+  </p:cSld>
+  <p:clrMapOvr>
+    <a:masterClrMapping/>
+  </p:clrMapOvr>
+</p:sld>
+</file>
+
+<file path=ppt/slides/slide13.xml><?xml version="1.0" encoding="utf-8"?>
+<p:sld xmlns:a="http://schemas.openxmlformats.org/drawingml/2006/main" xmlns:r="http://schemas.openxmlformats.org/officeDocument/2006/relationships" xmlns:p="http://schemas.openxmlformats.org/presentationml/2006/main">
+  <p:cSld>
+    <p:spTree>
+      <p:nvGrpSpPr>
+        <p:cNvPr id="1" name=""/>
+        <p:cNvGrpSpPr/>
+        <p:nvPr/>
+      </p:nvGrpSpPr>
+      <p:grpSpPr>
+        <a:xfrm>
+          <a:off x="0" y="0"/>
+          <a:ext cx="0" cy="0"/>
+          <a:chOff x="0" y="0"/>
+          <a:chExt cx="0" cy="0"/>
+        </a:xfrm>
+      </p:grpSpPr>
+      <p:sp>
+        <p:nvSpPr>
+          <p:cNvPr id="2" name="Title 1"/>
+          <p:cNvSpPr>
+            <a:spLocks noGrp="1"/>
+          </p:cNvSpPr>
+          <p:nvPr>
+            <p:ph type="title"/>
+          </p:nvPr>
+        </p:nvSpPr>
+        <p:spPr/>
+        <p:txBody>
+          <a:bodyPr/>
+          <a:lstStyle/>
+          <a:p>
+            <a:pPr algn="ctr"/>
+            <a:r>
+              <a:rPr lang="en-US" dirty="0" smtClean="0"/>
+              <a:t>Future enhancements</a:t>
+            </a:r>
+            <a:endParaRPr lang="en-US" dirty="0"/>
+          </a:p>
+        </p:txBody>
+      </p:sp>
+      <p:sp>
+        <p:nvSpPr>
+          <p:cNvPr id="3" name="Content Placeholder 2"/>
+          <p:cNvSpPr>
+            <a:spLocks noGrp="1"/>
+          </p:cNvSpPr>
+          <p:nvPr>
+            <p:ph idx="1"/>
+          </p:nvPr>
+        </p:nvSpPr>
+        <p:spPr>
+          <a:xfrm>
+            <a:off x="1141412" y="1840054"/>
+            <a:ext cx="9905999" cy="3541714"/>
+          </a:xfrm>
+        </p:spPr>
+        <p:txBody>
+          <a:bodyPr/>
+          <a:lstStyle/>
+          <a:p>
+            <a:r>
+              <a:rPr lang="en-US" dirty="0" smtClean="0"/>
+              <a:t>More graphs can be added.</a:t>
+            </a:r>
+          </a:p>
+          <a:p>
+            <a:r>
+              <a:rPr lang="en-US" dirty="0" smtClean="0"/>
+              <a:t>Due to time constraints, sufficient data analysis could not be performed</a:t>
+            </a:r>
+          </a:p>
+          <a:p>
+            <a:r>
+              <a:rPr lang="en-US" dirty="0" smtClean="0"/>
+              <a:t>CSS styling could be done on UI, for a better user experience.</a:t>
+            </a:r>
+          </a:p>
+          <a:p>
+            <a:endParaRPr lang="en-US" dirty="0"/>
+          </a:p>
+        </p:txBody>
+      </p:sp>
+    </p:spTree>
+    <p:extLst>
+      <p:ext uri="{BB962C8B-B14F-4D97-AF65-F5344CB8AC3E}">
+        <p14:creationId xmlns:p14="http://schemas.microsoft.com/office/powerpoint/2010/main" val="264779775"/>
+      </p:ext>
+    </p:extLst>
+  </p:cSld>
+  <p:clrMapOvr>
+    <a:masterClrMapping/>
+  </p:clrMapOvr>
+  <p:timing>
+    <p:tnLst>
+      <p:par>
+        <p:cTn id="1" dur="indefinite" restart="never" nodeType="tmRoot"/>
+      </p:par>
+    </p:tnLst>
+  </p:timing>
+</p:sld>
+</file>
+
+<file path=ppt/slides/slide14.xml><?xml version="1.0" encoding="utf-8"?>
+<p:sld xmlns:a="http://schemas.openxmlformats.org/drawingml/2006/main" xmlns:r="http://schemas.openxmlformats.org/officeDocument/2006/relationships" xmlns:p="http://schemas.openxmlformats.org/presentationml/2006/main">
+  <p:cSld>
+    <p:spTree>
+      <p:nvGrpSpPr>
+        <p:cNvPr id="1" name=""/>
+        <p:cNvGrpSpPr/>
+        <p:nvPr/>
+      </p:nvGrpSpPr>
+      <p:grpSpPr>
+        <a:xfrm>
+          <a:off x="0" y="0"/>
+          <a:ext cx="0" cy="0"/>
+          <a:chOff x="0" y="0"/>
+          <a:chExt cx="0" cy="0"/>
+        </a:xfrm>
+      </p:grpSpPr>
+      <p:sp>
+        <p:nvSpPr>
+          <p:cNvPr id="2" name="Title 1"/>
+          <p:cNvSpPr>
+            <a:spLocks noGrp="1"/>
+          </p:cNvSpPr>
+          <p:nvPr>
+            <p:ph type="title"/>
+          </p:nvPr>
+        </p:nvSpPr>
+        <p:spPr/>
+        <p:txBody>
+          <a:bodyPr/>
+          <a:lstStyle/>
+          <a:p>
+            <a:pPr algn="ctr"/>
+            <a:r>
+              <a:rPr lang="en-US" dirty="0" smtClean="0"/>
+              <a:t>Difficulties and Lessons Learnt</a:t>
+            </a:r>
+            <a:endParaRPr lang="en-US" dirty="0"/>
+          </a:p>
+        </p:txBody>
+      </p:sp>
+      <p:sp>
+        <p:nvSpPr>
+          <p:cNvPr id="3" name="Content Placeholder 2"/>
+          <p:cNvSpPr>
+            <a:spLocks noGrp="1"/>
+          </p:cNvSpPr>
+          <p:nvPr>
+            <p:ph idx="1"/>
+          </p:nvPr>
+        </p:nvSpPr>
+        <p:spPr/>
+        <p:txBody>
+          <a:bodyPr/>
+          <a:lstStyle/>
+          <a:p>
+            <a:r>
+              <a:rPr lang="en-US" dirty="0" smtClean="0"/>
+              <a:t>It took a while to understand and integrate new technologies.</a:t>
+            </a:r>
+          </a:p>
+          <a:p>
+            <a:r>
+              <a:rPr lang="en-US" dirty="0" smtClean="0"/>
+              <a:t>Integrating UI, business logic and database was a hurdle.</a:t>
+            </a:r>
+          </a:p>
+          <a:p>
+            <a:endParaRPr lang="en-US" dirty="0" smtClean="0"/>
+          </a:p>
+        </p:txBody>
+      </p:sp>
+    </p:spTree>
+    <p:extLst>
+      <p:ext uri="{BB962C8B-B14F-4D97-AF65-F5344CB8AC3E}">
+        <p14:creationId xmlns:p14="http://schemas.microsoft.com/office/powerpoint/2010/main" val="2783671848"/>
+      </p:ext>
+    </p:extLst>
+  </p:cSld>
+  <p:clrMapOvr>
+    <a:masterClrMapping/>
+  </p:clrMapOvr>
+  <p:timing>
+    <p:tnLst>
+      <p:par>
+        <p:cTn id="1" dur="indefinite" restart="never" nodeType="tmRoot"/>
+      </p:par>
+    </p:tnLst>
+  </p:timing>
+</p:sld>
+</file>
+
+<file path=ppt/slides/slide15.xml><?xml version="1.0" encoding="utf-8"?>
+<p:sld xmlns:a="http://schemas.openxmlformats.org/drawingml/2006/main" xmlns:r="http://schemas.openxmlformats.org/officeDocument/2006/relationships" xmlns:p="http://schemas.openxmlformats.org/presentationml/2006/main">
+  <p:cSld>
+    <p:spTree>
+      <p:nvGrpSpPr>
+        <p:cNvPr id="1" name=""/>
+        <p:cNvGrpSpPr/>
+        <p:nvPr/>
+      </p:nvGrpSpPr>
+      <p:grpSpPr>
+        <a:xfrm>
+          <a:off x="0" y="0"/>
+          <a:ext cx="0" cy="0"/>
+          <a:chOff x="0" y="0"/>
+          <a:chExt cx="0" cy="0"/>
+        </a:xfrm>
+      </p:grpSpPr>
       <p:sp>
         <p:nvSpPr>
           <p:cNvPr id="2" name="Title 1"/>
@@ -15495,7 +15879,7 @@
 </p:sld>
 </file>
 
-<file path=ppt/slides/slide11.xml><?xml version="1.0" encoding="utf-8"?>
+<file path=ppt/slides/slide16.xml><?xml version="1.0" encoding="utf-8"?>
 <p:sld xmlns:a="http://schemas.openxmlformats.org/drawingml/2006/main" xmlns:r="http://schemas.openxmlformats.org/officeDocument/2006/relationships" xmlns:p="http://schemas.openxmlformats.org/presentationml/2006/main">
   <p:cSld>
     <p:spTree>
@@ -16680,79 +17064,66 @@
             <p:ph type="title"/>
           </p:nvPr>
         </p:nvSpPr>
-        <p:spPr/>
-        <p:txBody>
-          <a:bodyPr/>
-          <a:lstStyle/>
-          <a:p>
-            <a:pPr algn="ctr"/>
-            <a:r>
-              <a:rPr lang="en-US" dirty="0" smtClean="0"/>
-              <a:t>Future enhancements</a:t>
-            </a:r>
-            <a:endParaRPr lang="en-US" dirty="0"/>
-          </a:p>
-        </p:txBody>
-      </p:sp>
-      <p:sp>
-        <p:nvSpPr>
-          <p:cNvPr id="3" name="Content Placeholder 2"/>
-          <p:cNvSpPr>
-            <a:spLocks noGrp="1"/>
-          </p:cNvSpPr>
-          <p:nvPr>
-            <p:ph idx="1"/>
-          </p:nvPr>
-        </p:nvSpPr>
         <p:spPr>
           <a:xfrm>
-            <a:off x="1141412" y="1840054"/>
-            <a:ext cx="9905999" cy="3541714"/>
+            <a:off x="1141413" y="181789"/>
+            <a:ext cx="9905998" cy="514246"/>
           </a:xfrm>
         </p:spPr>
         <p:txBody>
-          <a:bodyPr/>
+          <a:bodyPr>
+            <a:normAutofit fontScale="90000"/>
+          </a:bodyPr>
           <a:lstStyle/>
           <a:p>
             <a:r>
               <a:rPr lang="en-US" dirty="0" smtClean="0"/>
-              <a:t>More graphs can be added.</a:t>
-            </a:r>
-          </a:p>
-          <a:p>
-            <a:r>
-              <a:rPr lang="en-US" dirty="0" smtClean="0"/>
-              <a:t>Due to time constraints, sufficient data analysis could not be performed</a:t>
-            </a:r>
-          </a:p>
-          <a:p>
-            <a:r>
-              <a:rPr lang="en-US" dirty="0" smtClean="0"/>
-              <a:t>CSS styling could be done on UI, for a better user experience.</a:t>
-            </a:r>
-          </a:p>
-          <a:p>
+              <a:t>Screenshots</a:t>
+            </a:r>
             <a:endParaRPr lang="en-US" dirty="0"/>
           </a:p>
         </p:txBody>
       </p:sp>
+      <p:pic>
+        <p:nvPicPr>
+          <p:cNvPr id="4" name="Picture 3"/>
+          <p:cNvPicPr>
+            <a:picLocks noChangeAspect="1"/>
+          </p:cNvPicPr>
+          <p:nvPr/>
+        </p:nvPicPr>
+        <p:blipFill>
+          <a:blip r:embed="rId2">
+            <a:extLst>
+              <a:ext uri="{28A0092B-C50C-407E-A947-70E740481C1C}">
+                <a14:useLocalDpi xmlns:a14="http://schemas.microsoft.com/office/drawing/2010/main" val="0"/>
+              </a:ext>
+            </a:extLst>
+          </a:blip>
+          <a:stretch>
+            <a:fillRect/>
+          </a:stretch>
+        </p:blipFill>
+        <p:spPr>
+          <a:xfrm>
+            <a:off x="989011" y="696035"/>
+            <a:ext cx="10058400" cy="5655088"/>
+          </a:xfrm>
+          <a:prstGeom prst="rect">
+            <a:avLst/>
+          </a:prstGeom>
+        </p:spPr>
+      </p:pic>
     </p:spTree>
     <p:extLst>
       <p:ext uri="{BB962C8B-B14F-4D97-AF65-F5344CB8AC3E}">
-        <p14:creationId xmlns:p14="http://schemas.microsoft.com/office/powerpoint/2010/main" val="264779775"/>
+        <p14:creationId xmlns:p14="http://schemas.microsoft.com/office/powerpoint/2010/main" val="1759964941"/>
       </p:ext>
     </p:extLst>
   </p:cSld>
   <p:clrMapOvr>
     <a:masterClrMapping/>
   </p:clrMapOvr>
-  <p:timing>
-    <p:tnLst>
-      <p:par>
-        <p:cTn id="1" dur="indefinite" restart="never" nodeType="tmRoot"/>
-      </p:par>
-    </p:tnLst>
-  </p:timing>
 </p:sld>
 </file>
 
@@ -16773,78 +17144,46 @@
           <a:chExt cx="0" cy="0"/>
         </a:xfrm>
       </p:grpSpPr>
-      <p:sp>
-        <p:nvSpPr>
-          <p:cNvPr id="2" name="Title 1"/>
-          <p:cNvSpPr>
-            <a:spLocks noGrp="1"/>
-          </p:cNvSpPr>
-          <p:nvPr>
-            <p:ph type="title"/>
-          </p:nvPr>
-        </p:nvSpPr>
-        <p:spPr/>
-        <p:txBody>
-          <a:bodyPr/>
-          <a:lstStyle/>
-          <a:p>
-            <a:pPr algn="ctr"/>
-            <a:r>
-              <a:rPr lang="en-US" dirty="0" smtClean="0"/>
-              <a:t>Difficulties and Lessons Learnt</a:t>
-            </a:r>
-            <a:endParaRPr lang="en-US" dirty="0"/>
-          </a:p>
-        </p:txBody>
-      </p:sp>
-      <p:sp>
-        <p:nvSpPr>
-          <p:cNvPr id="3" name="Content Placeholder 2"/>
-          <p:cNvSpPr>
-            <a:spLocks noGrp="1"/>
-          </p:cNvSpPr>
-          <p:nvPr>
-            <p:ph idx="1"/>
-          </p:nvPr>
-        </p:nvSpPr>
-        <p:spPr/>
-        <p:txBody>
-          <a:bodyPr/>
-          <a:lstStyle/>
-          <a:p>
-            <a:r>
-              <a:rPr lang="en-US" dirty="0" smtClean="0"/>
-              <a:t>It took a while to understand and integrate new technologies.</a:t>
-            </a:r>
-          </a:p>
-          <a:p>
-            <a:r>
-              <a:rPr lang="en-US" dirty="0" smtClean="0"/>
-              <a:t>Integrating UI, business logic and database was a hurdle.</a:t>
-            </a:r>
-          </a:p>
-          <a:p>
-            <a:endParaRPr lang="en-US" dirty="0" smtClean="0"/>
-          </a:p>
-        </p:txBody>
-      </p:sp>
+      <p:pic>
+        <p:nvPicPr>
+          <p:cNvPr id="4" name="Picture 3"/>
+          <p:cNvPicPr>
+            <a:picLocks noChangeAspect="1"/>
+          </p:cNvPicPr>
+          <p:nvPr/>
+        </p:nvPicPr>
+        <p:blipFill>
+          <a:blip r:embed="rId2">
+            <a:extLst>
+              <a:ext uri="{28A0092B-C50C-407E-A947-70E740481C1C}">
+                <a14:useLocalDpi xmlns:a14="http://schemas.microsoft.com/office/drawing/2010/main" val="0"/>
+              </a:ext>
+            </a:extLst>
+          </a:blip>
+          <a:stretch>
+            <a:fillRect/>
+          </a:stretch>
+        </p:blipFill>
+        <p:spPr>
+          <a:xfrm>
+            <a:off x="1078173" y="615822"/>
+            <a:ext cx="10058400" cy="5655088"/>
+          </a:xfrm>
+          <a:prstGeom prst="rect">
+            <a:avLst/>
+          </a:prstGeom>
+        </p:spPr>
+      </p:pic>
     </p:spTree>
     <p:extLst>
       <p:ext uri="{BB962C8B-B14F-4D97-AF65-F5344CB8AC3E}">
-        <p14:creationId xmlns:p14="http://schemas.microsoft.com/office/powerpoint/2010/main" val="2783671848"/>
+        <p14:creationId xmlns:p14="http://schemas.microsoft.com/office/powerpoint/2010/main" val="262131216"/>
       </p:ext>
     </p:extLst>
   </p:cSld>
   <p:clrMapOvr>
     <a:masterClrMapping/>
   </p:clrMapOvr>
-  <p:timing>
-    <p:tnLst>
-      <p:par>
-        <p:cTn id="1" dur="indefinite" restart="never" nodeType="tmRoot"/>
-      </p:par>
-    </p:tnLst>
-  </p:timing>
 </p:sld>
 </file>
 
